--- a/ppt 16-9/1396.主是葡萄树.pptx
+++ b/ppt 16-9/1396.主是葡萄树.pptx
@@ -129,7 +129,7 @@
           <p:cNvPr id="2" name="标题 1">
             <a:extLst>
               <a:ext uri="{FF2B5EF4-FFF2-40B4-BE49-F238E27FC236}">
-                <a16:creationId xmlns:a16="http://schemas.microsoft.com/office/drawing/2014/main" id="{CC52A428-3572-199D-4F41-58829900DDA5}"/>
+                <a16:creationId xmlns:a16="http://schemas.microsoft.com/office/drawing/2014/main" id="{4386B1C1-65E6-BE07-94E2-3C1C2825BAEF}"/>
               </a:ext>
             </a:extLst>
           </p:cNvPr>
@@ -166,7 +166,7 @@
           <p:cNvPr id="3" name="副标题 2">
             <a:extLst>
               <a:ext uri="{FF2B5EF4-FFF2-40B4-BE49-F238E27FC236}">
-                <a16:creationId xmlns:a16="http://schemas.microsoft.com/office/drawing/2014/main" id="{22F9027B-D01F-66CE-4CFF-068C166EE356}"/>
+                <a16:creationId xmlns:a16="http://schemas.microsoft.com/office/drawing/2014/main" id="{D730D00A-7323-31B6-1F8D-C5597D30B688}"/>
               </a:ext>
             </a:extLst>
           </p:cNvPr>
@@ -236,7 +236,7 @@
           <p:cNvPr id="4" name="日期占位符 3">
             <a:extLst>
               <a:ext uri="{FF2B5EF4-FFF2-40B4-BE49-F238E27FC236}">
-                <a16:creationId xmlns:a16="http://schemas.microsoft.com/office/drawing/2014/main" id="{962BEE33-02C7-8F14-253F-DDE81C78E6BA}"/>
+                <a16:creationId xmlns:a16="http://schemas.microsoft.com/office/drawing/2014/main" id="{46EBA4F0-83B4-B104-67FC-F45881835DBA}"/>
               </a:ext>
             </a:extLst>
           </p:cNvPr>
@@ -252,7 +252,7 @@
           <a:bodyPr/>
           <a:lstStyle/>
           <a:p>
-            <a:fld id="{4EAB3ECC-5606-4C24-9F5B-D234D4D208D2}" type="datetimeFigureOut">
+            <a:fld id="{DAB6D17F-446D-45B1-BF30-60BDA0E814AB}" type="datetimeFigureOut">
               <a:rPr lang="zh-CN" altLang="en-US" smtClean="0"/>
               <a:t>2024/3/10</a:t>
             </a:fld>
@@ -265,7 +265,7 @@
           <p:cNvPr id="5" name="页脚占位符 4">
             <a:extLst>
               <a:ext uri="{FF2B5EF4-FFF2-40B4-BE49-F238E27FC236}">
-                <a16:creationId xmlns:a16="http://schemas.microsoft.com/office/drawing/2014/main" id="{03A55F02-D03C-A9E9-FA22-B82A3600828F}"/>
+                <a16:creationId xmlns:a16="http://schemas.microsoft.com/office/drawing/2014/main" id="{9B0066E4-6330-C4B2-5471-F6712E373548}"/>
               </a:ext>
             </a:extLst>
           </p:cNvPr>
@@ -290,7 +290,7 @@
           <p:cNvPr id="6" name="灯片编号占位符 5">
             <a:extLst>
               <a:ext uri="{FF2B5EF4-FFF2-40B4-BE49-F238E27FC236}">
-                <a16:creationId xmlns:a16="http://schemas.microsoft.com/office/drawing/2014/main" id="{9912AF34-2B74-5459-2B56-67C46B466E9C}"/>
+                <a16:creationId xmlns:a16="http://schemas.microsoft.com/office/drawing/2014/main" id="{6DEAA5CD-CB47-07A8-617C-207A056B5C0B}"/>
               </a:ext>
             </a:extLst>
           </p:cNvPr>
@@ -306,7 +306,7 @@
           <a:bodyPr/>
           <a:lstStyle/>
           <a:p>
-            <a:fld id="{E96547D6-0B60-46E0-A28F-14DA77A99B24}" type="slidenum">
+            <a:fld id="{6BF1787D-5CD1-4CAE-961F-BE111F708C85}" type="slidenum">
               <a:rPr lang="zh-CN" altLang="en-US" smtClean="0"/>
               <a:t>‹#›</a:t>
             </a:fld>
@@ -317,7 +317,7 @@
     </p:spTree>
     <p:extLst>
       <p:ext uri="{BB962C8B-B14F-4D97-AF65-F5344CB8AC3E}">
-        <p14:creationId xmlns:p14="http://schemas.microsoft.com/office/powerpoint/2010/main" val="1162995191"/>
+        <p14:creationId xmlns:p14="http://schemas.microsoft.com/office/powerpoint/2010/main" val="1543564431"/>
       </p:ext>
     </p:extLst>
   </p:cSld>
@@ -349,7 +349,7 @@
           <p:cNvPr id="2" name="标题 1">
             <a:extLst>
               <a:ext uri="{FF2B5EF4-FFF2-40B4-BE49-F238E27FC236}">
-                <a16:creationId xmlns:a16="http://schemas.microsoft.com/office/drawing/2014/main" id="{43BAF6C1-C94F-1193-D7C4-7A90A9EBC394}"/>
+                <a16:creationId xmlns:a16="http://schemas.microsoft.com/office/drawing/2014/main" id="{7E774F34-ADA9-D36E-A938-6A701C361991}"/>
               </a:ext>
             </a:extLst>
           </p:cNvPr>
@@ -377,7 +377,7 @@
           <p:cNvPr id="3" name="竖排文字占位符 2">
             <a:extLst>
               <a:ext uri="{FF2B5EF4-FFF2-40B4-BE49-F238E27FC236}">
-                <a16:creationId xmlns:a16="http://schemas.microsoft.com/office/drawing/2014/main" id="{4BB4E6D4-E7D3-FF25-59E5-A70DC12C68EF}"/>
+                <a16:creationId xmlns:a16="http://schemas.microsoft.com/office/drawing/2014/main" id="{7DAC2FC5-0CAE-1403-233E-3460A331A8E5}"/>
               </a:ext>
             </a:extLst>
           </p:cNvPr>
@@ -434,7 +434,7 @@
           <p:cNvPr id="4" name="日期占位符 3">
             <a:extLst>
               <a:ext uri="{FF2B5EF4-FFF2-40B4-BE49-F238E27FC236}">
-                <a16:creationId xmlns:a16="http://schemas.microsoft.com/office/drawing/2014/main" id="{3D8ADB40-F026-3002-9056-A6179392BA09}"/>
+                <a16:creationId xmlns:a16="http://schemas.microsoft.com/office/drawing/2014/main" id="{853CA150-D2DD-DE39-69A7-1EACDDBA745E}"/>
               </a:ext>
             </a:extLst>
           </p:cNvPr>
@@ -450,7 +450,7 @@
           <a:bodyPr/>
           <a:lstStyle/>
           <a:p>
-            <a:fld id="{4EAB3ECC-5606-4C24-9F5B-D234D4D208D2}" type="datetimeFigureOut">
+            <a:fld id="{DAB6D17F-446D-45B1-BF30-60BDA0E814AB}" type="datetimeFigureOut">
               <a:rPr lang="zh-CN" altLang="en-US" smtClean="0"/>
               <a:t>2024/3/10</a:t>
             </a:fld>
@@ -463,7 +463,7 @@
           <p:cNvPr id="5" name="页脚占位符 4">
             <a:extLst>
               <a:ext uri="{FF2B5EF4-FFF2-40B4-BE49-F238E27FC236}">
-                <a16:creationId xmlns:a16="http://schemas.microsoft.com/office/drawing/2014/main" id="{2EB3E794-CE46-4E7A-20D6-0FC4202EB50D}"/>
+                <a16:creationId xmlns:a16="http://schemas.microsoft.com/office/drawing/2014/main" id="{8A52E423-5755-2CA5-110C-7DBA186665A0}"/>
               </a:ext>
             </a:extLst>
           </p:cNvPr>
@@ -488,7 +488,7 @@
           <p:cNvPr id="6" name="灯片编号占位符 5">
             <a:extLst>
               <a:ext uri="{FF2B5EF4-FFF2-40B4-BE49-F238E27FC236}">
-                <a16:creationId xmlns:a16="http://schemas.microsoft.com/office/drawing/2014/main" id="{02640A89-E3F5-AF0A-47DC-B8FD741504A0}"/>
+                <a16:creationId xmlns:a16="http://schemas.microsoft.com/office/drawing/2014/main" id="{01C01A0F-2536-E4E6-D104-4E1B2FCBBE8F}"/>
               </a:ext>
             </a:extLst>
           </p:cNvPr>
@@ -504,7 +504,7 @@
           <a:bodyPr/>
           <a:lstStyle/>
           <a:p>
-            <a:fld id="{E96547D6-0B60-46E0-A28F-14DA77A99B24}" type="slidenum">
+            <a:fld id="{6BF1787D-5CD1-4CAE-961F-BE111F708C85}" type="slidenum">
               <a:rPr lang="zh-CN" altLang="en-US" smtClean="0"/>
               <a:t>‹#›</a:t>
             </a:fld>
@@ -515,7 +515,7 @@
     </p:spTree>
     <p:extLst>
       <p:ext uri="{BB962C8B-B14F-4D97-AF65-F5344CB8AC3E}">
-        <p14:creationId xmlns:p14="http://schemas.microsoft.com/office/powerpoint/2010/main" val="969479525"/>
+        <p14:creationId xmlns:p14="http://schemas.microsoft.com/office/powerpoint/2010/main" val="560429878"/>
       </p:ext>
     </p:extLst>
   </p:cSld>
@@ -547,7 +547,7 @@
           <p:cNvPr id="2" name="竖排标题 1">
             <a:extLst>
               <a:ext uri="{FF2B5EF4-FFF2-40B4-BE49-F238E27FC236}">
-                <a16:creationId xmlns:a16="http://schemas.microsoft.com/office/drawing/2014/main" id="{7E30CE95-9577-33D9-5F4B-3506A3D14593}"/>
+                <a16:creationId xmlns:a16="http://schemas.microsoft.com/office/drawing/2014/main" id="{3E39C429-9BD3-6BA4-732A-AF4ECF26417E}"/>
               </a:ext>
             </a:extLst>
           </p:cNvPr>
@@ -580,7 +580,7 @@
           <p:cNvPr id="3" name="竖排文字占位符 2">
             <a:extLst>
               <a:ext uri="{FF2B5EF4-FFF2-40B4-BE49-F238E27FC236}">
-                <a16:creationId xmlns:a16="http://schemas.microsoft.com/office/drawing/2014/main" id="{B511C0A7-7FF2-19FC-6935-1028487C4272}"/>
+                <a16:creationId xmlns:a16="http://schemas.microsoft.com/office/drawing/2014/main" id="{5E1AD916-A3D4-FC63-12A7-6F3C3474ABB0}"/>
               </a:ext>
             </a:extLst>
           </p:cNvPr>
@@ -642,7 +642,7 @@
           <p:cNvPr id="4" name="日期占位符 3">
             <a:extLst>
               <a:ext uri="{FF2B5EF4-FFF2-40B4-BE49-F238E27FC236}">
-                <a16:creationId xmlns:a16="http://schemas.microsoft.com/office/drawing/2014/main" id="{CE8EE4E3-E38A-5576-3E04-C74B6D4FB8A8}"/>
+                <a16:creationId xmlns:a16="http://schemas.microsoft.com/office/drawing/2014/main" id="{862778FD-9D81-9452-487F-235AC75E1F34}"/>
               </a:ext>
             </a:extLst>
           </p:cNvPr>
@@ -658,7 +658,7 @@
           <a:bodyPr/>
           <a:lstStyle/>
           <a:p>
-            <a:fld id="{4EAB3ECC-5606-4C24-9F5B-D234D4D208D2}" type="datetimeFigureOut">
+            <a:fld id="{DAB6D17F-446D-45B1-BF30-60BDA0E814AB}" type="datetimeFigureOut">
               <a:rPr lang="zh-CN" altLang="en-US" smtClean="0"/>
               <a:t>2024/3/10</a:t>
             </a:fld>
@@ -671,7 +671,7 @@
           <p:cNvPr id="5" name="页脚占位符 4">
             <a:extLst>
               <a:ext uri="{FF2B5EF4-FFF2-40B4-BE49-F238E27FC236}">
-                <a16:creationId xmlns:a16="http://schemas.microsoft.com/office/drawing/2014/main" id="{67D42918-CCE4-B4AE-6215-09E14696E808}"/>
+                <a16:creationId xmlns:a16="http://schemas.microsoft.com/office/drawing/2014/main" id="{3851FAD5-E468-A976-C423-DD6ED25B8F07}"/>
               </a:ext>
             </a:extLst>
           </p:cNvPr>
@@ -696,7 +696,7 @@
           <p:cNvPr id="6" name="灯片编号占位符 5">
             <a:extLst>
               <a:ext uri="{FF2B5EF4-FFF2-40B4-BE49-F238E27FC236}">
-                <a16:creationId xmlns:a16="http://schemas.microsoft.com/office/drawing/2014/main" id="{F211CBE1-7259-2586-F69B-3B4DC8D6D892}"/>
+                <a16:creationId xmlns:a16="http://schemas.microsoft.com/office/drawing/2014/main" id="{043FC0DE-086B-FDA1-6308-DAD944A876F1}"/>
               </a:ext>
             </a:extLst>
           </p:cNvPr>
@@ -712,7 +712,7 @@
           <a:bodyPr/>
           <a:lstStyle/>
           <a:p>
-            <a:fld id="{E96547D6-0B60-46E0-A28F-14DA77A99B24}" type="slidenum">
+            <a:fld id="{6BF1787D-5CD1-4CAE-961F-BE111F708C85}" type="slidenum">
               <a:rPr lang="zh-CN" altLang="en-US" smtClean="0"/>
               <a:t>‹#›</a:t>
             </a:fld>
@@ -723,7 +723,7 @@
     </p:spTree>
     <p:extLst>
       <p:ext uri="{BB962C8B-B14F-4D97-AF65-F5344CB8AC3E}">
-        <p14:creationId xmlns:p14="http://schemas.microsoft.com/office/powerpoint/2010/main" val="2496886522"/>
+        <p14:creationId xmlns:p14="http://schemas.microsoft.com/office/powerpoint/2010/main" val="3799942723"/>
       </p:ext>
     </p:extLst>
   </p:cSld>
@@ -755,7 +755,7 @@
           <p:cNvPr id="2" name="标题 1">
             <a:extLst>
               <a:ext uri="{FF2B5EF4-FFF2-40B4-BE49-F238E27FC236}">
-                <a16:creationId xmlns:a16="http://schemas.microsoft.com/office/drawing/2014/main" id="{A4BE5A0A-45D5-4710-7AF7-F7346B9E5267}"/>
+                <a16:creationId xmlns:a16="http://schemas.microsoft.com/office/drawing/2014/main" id="{A4648D20-1C47-7D43-408B-32053841B824}"/>
               </a:ext>
             </a:extLst>
           </p:cNvPr>
@@ -783,7 +783,7 @@
           <p:cNvPr id="3" name="内容占位符 2">
             <a:extLst>
               <a:ext uri="{FF2B5EF4-FFF2-40B4-BE49-F238E27FC236}">
-                <a16:creationId xmlns:a16="http://schemas.microsoft.com/office/drawing/2014/main" id="{9B01ABAF-18A1-6B17-AF3C-5031C4D81C69}"/>
+                <a16:creationId xmlns:a16="http://schemas.microsoft.com/office/drawing/2014/main" id="{066BBA2F-61E2-1565-B0AA-F265333A6D6C}"/>
               </a:ext>
             </a:extLst>
           </p:cNvPr>
@@ -840,7 +840,7 @@
           <p:cNvPr id="4" name="日期占位符 3">
             <a:extLst>
               <a:ext uri="{FF2B5EF4-FFF2-40B4-BE49-F238E27FC236}">
-                <a16:creationId xmlns:a16="http://schemas.microsoft.com/office/drawing/2014/main" id="{9F447324-1985-5EA6-0F8D-07FF76F0D0D1}"/>
+                <a16:creationId xmlns:a16="http://schemas.microsoft.com/office/drawing/2014/main" id="{AA758649-10C0-1363-CA80-1D8F5EF27AC0}"/>
               </a:ext>
             </a:extLst>
           </p:cNvPr>
@@ -856,7 +856,7 @@
           <a:bodyPr/>
           <a:lstStyle/>
           <a:p>
-            <a:fld id="{4EAB3ECC-5606-4C24-9F5B-D234D4D208D2}" type="datetimeFigureOut">
+            <a:fld id="{DAB6D17F-446D-45B1-BF30-60BDA0E814AB}" type="datetimeFigureOut">
               <a:rPr lang="zh-CN" altLang="en-US" smtClean="0"/>
               <a:t>2024/3/10</a:t>
             </a:fld>
@@ -869,7 +869,7 @@
           <p:cNvPr id="5" name="页脚占位符 4">
             <a:extLst>
               <a:ext uri="{FF2B5EF4-FFF2-40B4-BE49-F238E27FC236}">
-                <a16:creationId xmlns:a16="http://schemas.microsoft.com/office/drawing/2014/main" id="{BCC34526-0F76-BC4D-8996-3434A85015D0}"/>
+                <a16:creationId xmlns:a16="http://schemas.microsoft.com/office/drawing/2014/main" id="{9D8077C9-E462-E8AB-FB6A-46747514A176}"/>
               </a:ext>
             </a:extLst>
           </p:cNvPr>
@@ -894,7 +894,7 @@
           <p:cNvPr id="6" name="灯片编号占位符 5">
             <a:extLst>
               <a:ext uri="{FF2B5EF4-FFF2-40B4-BE49-F238E27FC236}">
-                <a16:creationId xmlns:a16="http://schemas.microsoft.com/office/drawing/2014/main" id="{4B6098A9-1113-6EF0-AF0C-FF24400212C1}"/>
+                <a16:creationId xmlns:a16="http://schemas.microsoft.com/office/drawing/2014/main" id="{3236703E-2549-9FFD-CF6B-78A44FDB9138}"/>
               </a:ext>
             </a:extLst>
           </p:cNvPr>
@@ -910,7 +910,7 @@
           <a:bodyPr/>
           <a:lstStyle/>
           <a:p>
-            <a:fld id="{E96547D6-0B60-46E0-A28F-14DA77A99B24}" type="slidenum">
+            <a:fld id="{6BF1787D-5CD1-4CAE-961F-BE111F708C85}" type="slidenum">
               <a:rPr lang="zh-CN" altLang="en-US" smtClean="0"/>
               <a:t>‹#›</a:t>
             </a:fld>
@@ -921,7 +921,7 @@
     </p:spTree>
     <p:extLst>
       <p:ext uri="{BB962C8B-B14F-4D97-AF65-F5344CB8AC3E}">
-        <p14:creationId xmlns:p14="http://schemas.microsoft.com/office/powerpoint/2010/main" val="2363577979"/>
+        <p14:creationId xmlns:p14="http://schemas.microsoft.com/office/powerpoint/2010/main" val="462134835"/>
       </p:ext>
     </p:extLst>
   </p:cSld>
@@ -953,7 +953,7 @@
           <p:cNvPr id="2" name="标题 1">
             <a:extLst>
               <a:ext uri="{FF2B5EF4-FFF2-40B4-BE49-F238E27FC236}">
-                <a16:creationId xmlns:a16="http://schemas.microsoft.com/office/drawing/2014/main" id="{6D3B72F8-FC14-DBC9-BD01-D08304D32310}"/>
+                <a16:creationId xmlns:a16="http://schemas.microsoft.com/office/drawing/2014/main" id="{425559F0-6AFC-8790-715E-C9892743434F}"/>
               </a:ext>
             </a:extLst>
           </p:cNvPr>
@@ -990,7 +990,7 @@
           <p:cNvPr id="3" name="文本占位符 2">
             <a:extLst>
               <a:ext uri="{FF2B5EF4-FFF2-40B4-BE49-F238E27FC236}">
-                <a16:creationId xmlns:a16="http://schemas.microsoft.com/office/drawing/2014/main" id="{850FB350-6B6E-4388-6CA0-A45CF1A8E8E0}"/>
+                <a16:creationId xmlns:a16="http://schemas.microsoft.com/office/drawing/2014/main" id="{DB5B39C1-DD6C-EF04-8A6A-77B7A5590254}"/>
               </a:ext>
             </a:extLst>
           </p:cNvPr>
@@ -1115,7 +1115,7 @@
           <p:cNvPr id="4" name="日期占位符 3">
             <a:extLst>
               <a:ext uri="{FF2B5EF4-FFF2-40B4-BE49-F238E27FC236}">
-                <a16:creationId xmlns:a16="http://schemas.microsoft.com/office/drawing/2014/main" id="{DB3EADCE-3EEF-7A3F-EB05-4BF17B7176C9}"/>
+                <a16:creationId xmlns:a16="http://schemas.microsoft.com/office/drawing/2014/main" id="{8B60AF0D-6B33-3153-EC36-E2FE9FFB89C2}"/>
               </a:ext>
             </a:extLst>
           </p:cNvPr>
@@ -1131,7 +1131,7 @@
           <a:bodyPr/>
           <a:lstStyle/>
           <a:p>
-            <a:fld id="{4EAB3ECC-5606-4C24-9F5B-D234D4D208D2}" type="datetimeFigureOut">
+            <a:fld id="{DAB6D17F-446D-45B1-BF30-60BDA0E814AB}" type="datetimeFigureOut">
               <a:rPr lang="zh-CN" altLang="en-US" smtClean="0"/>
               <a:t>2024/3/10</a:t>
             </a:fld>
@@ -1144,7 +1144,7 @@
           <p:cNvPr id="5" name="页脚占位符 4">
             <a:extLst>
               <a:ext uri="{FF2B5EF4-FFF2-40B4-BE49-F238E27FC236}">
-                <a16:creationId xmlns:a16="http://schemas.microsoft.com/office/drawing/2014/main" id="{41D56BD1-F1F3-A612-3425-B8A3196789B7}"/>
+                <a16:creationId xmlns:a16="http://schemas.microsoft.com/office/drawing/2014/main" id="{E8CA53ED-55C2-B291-4743-1312251E028E}"/>
               </a:ext>
             </a:extLst>
           </p:cNvPr>
@@ -1169,7 +1169,7 @@
           <p:cNvPr id="6" name="灯片编号占位符 5">
             <a:extLst>
               <a:ext uri="{FF2B5EF4-FFF2-40B4-BE49-F238E27FC236}">
-                <a16:creationId xmlns:a16="http://schemas.microsoft.com/office/drawing/2014/main" id="{6A89C9A6-1180-9615-605B-019F3EFF6726}"/>
+                <a16:creationId xmlns:a16="http://schemas.microsoft.com/office/drawing/2014/main" id="{79325ABD-FF83-AAA1-1808-639E09AA8211}"/>
               </a:ext>
             </a:extLst>
           </p:cNvPr>
@@ -1185,7 +1185,7 @@
           <a:bodyPr/>
           <a:lstStyle/>
           <a:p>
-            <a:fld id="{E96547D6-0B60-46E0-A28F-14DA77A99B24}" type="slidenum">
+            <a:fld id="{6BF1787D-5CD1-4CAE-961F-BE111F708C85}" type="slidenum">
               <a:rPr lang="zh-CN" altLang="en-US" smtClean="0"/>
               <a:t>‹#›</a:t>
             </a:fld>
@@ -1196,7 +1196,7 @@
     </p:spTree>
     <p:extLst>
       <p:ext uri="{BB962C8B-B14F-4D97-AF65-F5344CB8AC3E}">
-        <p14:creationId xmlns:p14="http://schemas.microsoft.com/office/powerpoint/2010/main" val="3546688493"/>
+        <p14:creationId xmlns:p14="http://schemas.microsoft.com/office/powerpoint/2010/main" val="1253797146"/>
       </p:ext>
     </p:extLst>
   </p:cSld>
@@ -1228,7 +1228,7 @@
           <p:cNvPr id="2" name="标题 1">
             <a:extLst>
               <a:ext uri="{FF2B5EF4-FFF2-40B4-BE49-F238E27FC236}">
-                <a16:creationId xmlns:a16="http://schemas.microsoft.com/office/drawing/2014/main" id="{2A769BF0-4229-36DC-6E0D-9025B68C5827}"/>
+                <a16:creationId xmlns:a16="http://schemas.microsoft.com/office/drawing/2014/main" id="{7CA7BF04-F859-F652-2702-4AB2F06B6255}"/>
               </a:ext>
             </a:extLst>
           </p:cNvPr>
@@ -1256,7 +1256,7 @@
           <p:cNvPr id="3" name="内容占位符 2">
             <a:extLst>
               <a:ext uri="{FF2B5EF4-FFF2-40B4-BE49-F238E27FC236}">
-                <a16:creationId xmlns:a16="http://schemas.microsoft.com/office/drawing/2014/main" id="{BCE614EF-876B-4B3C-5285-D97E644DD79C}"/>
+                <a16:creationId xmlns:a16="http://schemas.microsoft.com/office/drawing/2014/main" id="{8A11D4B7-75D3-E1F6-C677-5EA9EC946D93}"/>
               </a:ext>
             </a:extLst>
           </p:cNvPr>
@@ -1318,7 +1318,7 @@
           <p:cNvPr id="4" name="内容占位符 3">
             <a:extLst>
               <a:ext uri="{FF2B5EF4-FFF2-40B4-BE49-F238E27FC236}">
-                <a16:creationId xmlns:a16="http://schemas.microsoft.com/office/drawing/2014/main" id="{27861500-57C8-987B-C2C5-45AE740B097C}"/>
+                <a16:creationId xmlns:a16="http://schemas.microsoft.com/office/drawing/2014/main" id="{7AB0F78E-7312-2364-DCE3-5F95AE952383}"/>
               </a:ext>
             </a:extLst>
           </p:cNvPr>
@@ -1380,7 +1380,7 @@
           <p:cNvPr id="5" name="日期占位符 4">
             <a:extLst>
               <a:ext uri="{FF2B5EF4-FFF2-40B4-BE49-F238E27FC236}">
-                <a16:creationId xmlns:a16="http://schemas.microsoft.com/office/drawing/2014/main" id="{33B1B8C2-4E53-A701-3FCE-A20A645169A3}"/>
+                <a16:creationId xmlns:a16="http://schemas.microsoft.com/office/drawing/2014/main" id="{81CA8077-B609-0A37-8557-26B8CC50F692}"/>
               </a:ext>
             </a:extLst>
           </p:cNvPr>
@@ -1396,7 +1396,7 @@
           <a:bodyPr/>
           <a:lstStyle/>
           <a:p>
-            <a:fld id="{4EAB3ECC-5606-4C24-9F5B-D234D4D208D2}" type="datetimeFigureOut">
+            <a:fld id="{DAB6D17F-446D-45B1-BF30-60BDA0E814AB}" type="datetimeFigureOut">
               <a:rPr lang="zh-CN" altLang="en-US" smtClean="0"/>
               <a:t>2024/3/10</a:t>
             </a:fld>
@@ -1409,7 +1409,7 @@
           <p:cNvPr id="6" name="页脚占位符 5">
             <a:extLst>
               <a:ext uri="{FF2B5EF4-FFF2-40B4-BE49-F238E27FC236}">
-                <a16:creationId xmlns:a16="http://schemas.microsoft.com/office/drawing/2014/main" id="{2918D8E2-3514-5876-B575-F825A17A99D8}"/>
+                <a16:creationId xmlns:a16="http://schemas.microsoft.com/office/drawing/2014/main" id="{AF180A22-7D51-364B-24FF-87F692EE2139}"/>
               </a:ext>
             </a:extLst>
           </p:cNvPr>
@@ -1434,7 +1434,7 @@
           <p:cNvPr id="7" name="灯片编号占位符 6">
             <a:extLst>
               <a:ext uri="{FF2B5EF4-FFF2-40B4-BE49-F238E27FC236}">
-                <a16:creationId xmlns:a16="http://schemas.microsoft.com/office/drawing/2014/main" id="{91825F0F-81ED-C069-4CF0-A25BB89927D9}"/>
+                <a16:creationId xmlns:a16="http://schemas.microsoft.com/office/drawing/2014/main" id="{4640D051-BC73-50E0-6307-5A425A469A1E}"/>
               </a:ext>
             </a:extLst>
           </p:cNvPr>
@@ -1450,7 +1450,7 @@
           <a:bodyPr/>
           <a:lstStyle/>
           <a:p>
-            <a:fld id="{E96547D6-0B60-46E0-A28F-14DA77A99B24}" type="slidenum">
+            <a:fld id="{6BF1787D-5CD1-4CAE-961F-BE111F708C85}" type="slidenum">
               <a:rPr lang="zh-CN" altLang="en-US" smtClean="0"/>
               <a:t>‹#›</a:t>
             </a:fld>
@@ -1461,7 +1461,7 @@
     </p:spTree>
     <p:extLst>
       <p:ext uri="{BB962C8B-B14F-4D97-AF65-F5344CB8AC3E}">
-        <p14:creationId xmlns:p14="http://schemas.microsoft.com/office/powerpoint/2010/main" val="821772208"/>
+        <p14:creationId xmlns:p14="http://schemas.microsoft.com/office/powerpoint/2010/main" val="3749821997"/>
       </p:ext>
     </p:extLst>
   </p:cSld>
@@ -1493,7 +1493,7 @@
           <p:cNvPr id="2" name="标题 1">
             <a:extLst>
               <a:ext uri="{FF2B5EF4-FFF2-40B4-BE49-F238E27FC236}">
-                <a16:creationId xmlns:a16="http://schemas.microsoft.com/office/drawing/2014/main" id="{5E0A8B5C-ED11-8188-251D-3DEB124FEEA9}"/>
+                <a16:creationId xmlns:a16="http://schemas.microsoft.com/office/drawing/2014/main" id="{41E6582C-587C-05CA-8B32-2D94B8470888}"/>
               </a:ext>
             </a:extLst>
           </p:cNvPr>
@@ -1526,7 +1526,7 @@
           <p:cNvPr id="3" name="文本占位符 2">
             <a:extLst>
               <a:ext uri="{FF2B5EF4-FFF2-40B4-BE49-F238E27FC236}">
-                <a16:creationId xmlns:a16="http://schemas.microsoft.com/office/drawing/2014/main" id="{DC5ADF99-4B4D-9436-54BC-623F6518DEFE}"/>
+                <a16:creationId xmlns:a16="http://schemas.microsoft.com/office/drawing/2014/main" id="{6968A6F1-7EF0-0D88-3D17-824F3EB339AF}"/>
               </a:ext>
             </a:extLst>
           </p:cNvPr>
@@ -1597,7 +1597,7 @@
           <p:cNvPr id="4" name="内容占位符 3">
             <a:extLst>
               <a:ext uri="{FF2B5EF4-FFF2-40B4-BE49-F238E27FC236}">
-                <a16:creationId xmlns:a16="http://schemas.microsoft.com/office/drawing/2014/main" id="{16429D41-A6A4-3BA4-F52A-4A0A5D6D689E}"/>
+                <a16:creationId xmlns:a16="http://schemas.microsoft.com/office/drawing/2014/main" id="{639CAA67-4272-9EFC-FDAF-371F132A410B}"/>
               </a:ext>
             </a:extLst>
           </p:cNvPr>
@@ -1659,7 +1659,7 @@
           <p:cNvPr id="5" name="文本占位符 4">
             <a:extLst>
               <a:ext uri="{FF2B5EF4-FFF2-40B4-BE49-F238E27FC236}">
-                <a16:creationId xmlns:a16="http://schemas.microsoft.com/office/drawing/2014/main" id="{CC6B51F7-5939-443D-46D6-4C4AA90E3A27}"/>
+                <a16:creationId xmlns:a16="http://schemas.microsoft.com/office/drawing/2014/main" id="{F16C8BAC-5DAE-AE0E-7259-BF39D2A35246}"/>
               </a:ext>
             </a:extLst>
           </p:cNvPr>
@@ -1730,7 +1730,7 @@
           <p:cNvPr id="6" name="内容占位符 5">
             <a:extLst>
               <a:ext uri="{FF2B5EF4-FFF2-40B4-BE49-F238E27FC236}">
-                <a16:creationId xmlns:a16="http://schemas.microsoft.com/office/drawing/2014/main" id="{52A9A801-2087-23D6-18EC-BE080E2A4473}"/>
+                <a16:creationId xmlns:a16="http://schemas.microsoft.com/office/drawing/2014/main" id="{706DD2D2-1882-1FEB-D0F0-B659A3EB18F2}"/>
               </a:ext>
             </a:extLst>
           </p:cNvPr>
@@ -1792,7 +1792,7 @@
           <p:cNvPr id="7" name="日期占位符 6">
             <a:extLst>
               <a:ext uri="{FF2B5EF4-FFF2-40B4-BE49-F238E27FC236}">
-                <a16:creationId xmlns:a16="http://schemas.microsoft.com/office/drawing/2014/main" id="{F9A525FE-C952-B7AA-00F7-5B76D43FFC2C}"/>
+                <a16:creationId xmlns:a16="http://schemas.microsoft.com/office/drawing/2014/main" id="{B4E65A34-BB97-E354-10C1-F940650AF607}"/>
               </a:ext>
             </a:extLst>
           </p:cNvPr>
@@ -1808,7 +1808,7 @@
           <a:bodyPr/>
           <a:lstStyle/>
           <a:p>
-            <a:fld id="{4EAB3ECC-5606-4C24-9F5B-D234D4D208D2}" type="datetimeFigureOut">
+            <a:fld id="{DAB6D17F-446D-45B1-BF30-60BDA0E814AB}" type="datetimeFigureOut">
               <a:rPr lang="zh-CN" altLang="en-US" smtClean="0"/>
               <a:t>2024/3/10</a:t>
             </a:fld>
@@ -1821,7 +1821,7 @@
           <p:cNvPr id="8" name="页脚占位符 7">
             <a:extLst>
               <a:ext uri="{FF2B5EF4-FFF2-40B4-BE49-F238E27FC236}">
-                <a16:creationId xmlns:a16="http://schemas.microsoft.com/office/drawing/2014/main" id="{BBB0A9CB-CA10-2159-8FD5-20DC7E1A1A8B}"/>
+                <a16:creationId xmlns:a16="http://schemas.microsoft.com/office/drawing/2014/main" id="{CCA34EA4-4575-90D6-D7BA-8981D366480B}"/>
               </a:ext>
             </a:extLst>
           </p:cNvPr>
@@ -1846,7 +1846,7 @@
           <p:cNvPr id="9" name="灯片编号占位符 8">
             <a:extLst>
               <a:ext uri="{FF2B5EF4-FFF2-40B4-BE49-F238E27FC236}">
-                <a16:creationId xmlns:a16="http://schemas.microsoft.com/office/drawing/2014/main" id="{17E127DA-ACDA-D507-7D13-E55B0A17F070}"/>
+                <a16:creationId xmlns:a16="http://schemas.microsoft.com/office/drawing/2014/main" id="{2CC87309-7E14-F035-F709-4A4C6C856DB9}"/>
               </a:ext>
             </a:extLst>
           </p:cNvPr>
@@ -1862,7 +1862,7 @@
           <a:bodyPr/>
           <a:lstStyle/>
           <a:p>
-            <a:fld id="{E96547D6-0B60-46E0-A28F-14DA77A99B24}" type="slidenum">
+            <a:fld id="{6BF1787D-5CD1-4CAE-961F-BE111F708C85}" type="slidenum">
               <a:rPr lang="zh-CN" altLang="en-US" smtClean="0"/>
               <a:t>‹#›</a:t>
             </a:fld>
@@ -1873,7 +1873,7 @@
     </p:spTree>
     <p:extLst>
       <p:ext uri="{BB962C8B-B14F-4D97-AF65-F5344CB8AC3E}">
-        <p14:creationId xmlns:p14="http://schemas.microsoft.com/office/powerpoint/2010/main" val="2320215106"/>
+        <p14:creationId xmlns:p14="http://schemas.microsoft.com/office/powerpoint/2010/main" val="71384718"/>
       </p:ext>
     </p:extLst>
   </p:cSld>
@@ -1905,7 +1905,7 @@
           <p:cNvPr id="2" name="标题 1">
             <a:extLst>
               <a:ext uri="{FF2B5EF4-FFF2-40B4-BE49-F238E27FC236}">
-                <a16:creationId xmlns:a16="http://schemas.microsoft.com/office/drawing/2014/main" id="{A8D20939-C0EC-EE91-4781-90C78AC5A096}"/>
+                <a16:creationId xmlns:a16="http://schemas.microsoft.com/office/drawing/2014/main" id="{53FA818C-2967-20DA-8313-244040F518D6}"/>
               </a:ext>
             </a:extLst>
           </p:cNvPr>
@@ -1933,7 +1933,7 @@
           <p:cNvPr id="3" name="日期占位符 2">
             <a:extLst>
               <a:ext uri="{FF2B5EF4-FFF2-40B4-BE49-F238E27FC236}">
-                <a16:creationId xmlns:a16="http://schemas.microsoft.com/office/drawing/2014/main" id="{16B81A15-F079-4729-9D8E-47C622913BB6}"/>
+                <a16:creationId xmlns:a16="http://schemas.microsoft.com/office/drawing/2014/main" id="{712459D4-1B40-B2AE-BCE4-9641E9ACBD83}"/>
               </a:ext>
             </a:extLst>
           </p:cNvPr>
@@ -1949,7 +1949,7 @@
           <a:bodyPr/>
           <a:lstStyle/>
           <a:p>
-            <a:fld id="{4EAB3ECC-5606-4C24-9F5B-D234D4D208D2}" type="datetimeFigureOut">
+            <a:fld id="{DAB6D17F-446D-45B1-BF30-60BDA0E814AB}" type="datetimeFigureOut">
               <a:rPr lang="zh-CN" altLang="en-US" smtClean="0"/>
               <a:t>2024/3/10</a:t>
             </a:fld>
@@ -1962,7 +1962,7 @@
           <p:cNvPr id="4" name="页脚占位符 3">
             <a:extLst>
               <a:ext uri="{FF2B5EF4-FFF2-40B4-BE49-F238E27FC236}">
-                <a16:creationId xmlns:a16="http://schemas.microsoft.com/office/drawing/2014/main" id="{DF94F4A6-863A-39D4-791F-650907E54FF0}"/>
+                <a16:creationId xmlns:a16="http://schemas.microsoft.com/office/drawing/2014/main" id="{957C205F-E4A5-6372-2384-752725C2A9F0}"/>
               </a:ext>
             </a:extLst>
           </p:cNvPr>
@@ -1987,7 +1987,7 @@
           <p:cNvPr id="5" name="灯片编号占位符 4">
             <a:extLst>
               <a:ext uri="{FF2B5EF4-FFF2-40B4-BE49-F238E27FC236}">
-                <a16:creationId xmlns:a16="http://schemas.microsoft.com/office/drawing/2014/main" id="{AA0CA980-65AA-1452-DF18-53581405BF2D}"/>
+                <a16:creationId xmlns:a16="http://schemas.microsoft.com/office/drawing/2014/main" id="{871C92CF-A215-7242-6445-2FF078FDDF8B}"/>
               </a:ext>
             </a:extLst>
           </p:cNvPr>
@@ -2003,7 +2003,7 @@
           <a:bodyPr/>
           <a:lstStyle/>
           <a:p>
-            <a:fld id="{E96547D6-0B60-46E0-A28F-14DA77A99B24}" type="slidenum">
+            <a:fld id="{6BF1787D-5CD1-4CAE-961F-BE111F708C85}" type="slidenum">
               <a:rPr lang="zh-CN" altLang="en-US" smtClean="0"/>
               <a:t>‹#›</a:t>
             </a:fld>
@@ -2014,7 +2014,7 @@
     </p:spTree>
     <p:extLst>
       <p:ext uri="{BB962C8B-B14F-4D97-AF65-F5344CB8AC3E}">
-        <p14:creationId xmlns:p14="http://schemas.microsoft.com/office/powerpoint/2010/main" val="4173064721"/>
+        <p14:creationId xmlns:p14="http://schemas.microsoft.com/office/powerpoint/2010/main" val="1912495408"/>
       </p:ext>
     </p:extLst>
   </p:cSld>
@@ -2046,7 +2046,7 @@
           <p:cNvPr id="2" name="日期占位符 1">
             <a:extLst>
               <a:ext uri="{FF2B5EF4-FFF2-40B4-BE49-F238E27FC236}">
-                <a16:creationId xmlns:a16="http://schemas.microsoft.com/office/drawing/2014/main" id="{717A11A9-D551-15F7-4D10-7F02038FCEE7}"/>
+                <a16:creationId xmlns:a16="http://schemas.microsoft.com/office/drawing/2014/main" id="{CED137DE-1A68-E0BC-146F-04E9D6C11B48}"/>
               </a:ext>
             </a:extLst>
           </p:cNvPr>
@@ -2062,7 +2062,7 @@
           <a:bodyPr/>
           <a:lstStyle/>
           <a:p>
-            <a:fld id="{4EAB3ECC-5606-4C24-9F5B-D234D4D208D2}" type="datetimeFigureOut">
+            <a:fld id="{DAB6D17F-446D-45B1-BF30-60BDA0E814AB}" type="datetimeFigureOut">
               <a:rPr lang="zh-CN" altLang="en-US" smtClean="0"/>
               <a:t>2024/3/10</a:t>
             </a:fld>
@@ -2075,7 +2075,7 @@
           <p:cNvPr id="3" name="页脚占位符 2">
             <a:extLst>
               <a:ext uri="{FF2B5EF4-FFF2-40B4-BE49-F238E27FC236}">
-                <a16:creationId xmlns:a16="http://schemas.microsoft.com/office/drawing/2014/main" id="{D42B926A-9C9A-E3D4-99E3-C80DC061617F}"/>
+                <a16:creationId xmlns:a16="http://schemas.microsoft.com/office/drawing/2014/main" id="{D1BC93D8-6B2E-03B7-E054-40686E835FFE}"/>
               </a:ext>
             </a:extLst>
           </p:cNvPr>
@@ -2100,7 +2100,7 @@
           <p:cNvPr id="4" name="灯片编号占位符 3">
             <a:extLst>
               <a:ext uri="{FF2B5EF4-FFF2-40B4-BE49-F238E27FC236}">
-                <a16:creationId xmlns:a16="http://schemas.microsoft.com/office/drawing/2014/main" id="{717273B1-D209-0C4C-C0A0-BB3747D82016}"/>
+                <a16:creationId xmlns:a16="http://schemas.microsoft.com/office/drawing/2014/main" id="{8821F822-DF9D-5D7F-3F98-5BBCACE6491C}"/>
               </a:ext>
             </a:extLst>
           </p:cNvPr>
@@ -2116,7 +2116,7 @@
           <a:bodyPr/>
           <a:lstStyle/>
           <a:p>
-            <a:fld id="{E96547D6-0B60-46E0-A28F-14DA77A99B24}" type="slidenum">
+            <a:fld id="{6BF1787D-5CD1-4CAE-961F-BE111F708C85}" type="slidenum">
               <a:rPr lang="zh-CN" altLang="en-US" smtClean="0"/>
               <a:t>‹#›</a:t>
             </a:fld>
@@ -2127,7 +2127,7 @@
     </p:spTree>
     <p:extLst>
       <p:ext uri="{BB962C8B-B14F-4D97-AF65-F5344CB8AC3E}">
-        <p14:creationId xmlns:p14="http://schemas.microsoft.com/office/powerpoint/2010/main" val="4095083003"/>
+        <p14:creationId xmlns:p14="http://schemas.microsoft.com/office/powerpoint/2010/main" val="2317918044"/>
       </p:ext>
     </p:extLst>
   </p:cSld>
@@ -2159,7 +2159,7 @@
           <p:cNvPr id="2" name="标题 1">
             <a:extLst>
               <a:ext uri="{FF2B5EF4-FFF2-40B4-BE49-F238E27FC236}">
-                <a16:creationId xmlns:a16="http://schemas.microsoft.com/office/drawing/2014/main" id="{86E394A3-2860-D48D-56E3-A8C4AC2B4A22}"/>
+                <a16:creationId xmlns:a16="http://schemas.microsoft.com/office/drawing/2014/main" id="{0CC02C43-41B9-8967-411A-AB34F1CDB276}"/>
               </a:ext>
             </a:extLst>
           </p:cNvPr>
@@ -2196,7 +2196,7 @@
           <p:cNvPr id="3" name="内容占位符 2">
             <a:extLst>
               <a:ext uri="{FF2B5EF4-FFF2-40B4-BE49-F238E27FC236}">
-                <a16:creationId xmlns:a16="http://schemas.microsoft.com/office/drawing/2014/main" id="{9E66C3BF-D345-8CA4-AD66-74562723180E}"/>
+                <a16:creationId xmlns:a16="http://schemas.microsoft.com/office/drawing/2014/main" id="{30265CC8-7088-CC2F-9BA7-878C5751BCF2}"/>
               </a:ext>
             </a:extLst>
           </p:cNvPr>
@@ -2286,7 +2286,7 @@
           <p:cNvPr id="4" name="文本占位符 3">
             <a:extLst>
               <a:ext uri="{FF2B5EF4-FFF2-40B4-BE49-F238E27FC236}">
-                <a16:creationId xmlns:a16="http://schemas.microsoft.com/office/drawing/2014/main" id="{98D5C307-4F53-0136-8833-5D1FD88A0C50}"/>
+                <a16:creationId xmlns:a16="http://schemas.microsoft.com/office/drawing/2014/main" id="{6E9C8EFB-681E-3BC7-490E-94EEB81A1982}"/>
               </a:ext>
             </a:extLst>
           </p:cNvPr>
@@ -2357,7 +2357,7 @@
           <p:cNvPr id="5" name="日期占位符 4">
             <a:extLst>
               <a:ext uri="{FF2B5EF4-FFF2-40B4-BE49-F238E27FC236}">
-                <a16:creationId xmlns:a16="http://schemas.microsoft.com/office/drawing/2014/main" id="{06DD958C-6CF5-7F40-F7F3-0F7008F2130E}"/>
+                <a16:creationId xmlns:a16="http://schemas.microsoft.com/office/drawing/2014/main" id="{B4D9B113-1C38-75FC-D21B-C951E79EC662}"/>
               </a:ext>
             </a:extLst>
           </p:cNvPr>
@@ -2373,7 +2373,7 @@
           <a:bodyPr/>
           <a:lstStyle/>
           <a:p>
-            <a:fld id="{4EAB3ECC-5606-4C24-9F5B-D234D4D208D2}" type="datetimeFigureOut">
+            <a:fld id="{DAB6D17F-446D-45B1-BF30-60BDA0E814AB}" type="datetimeFigureOut">
               <a:rPr lang="zh-CN" altLang="en-US" smtClean="0"/>
               <a:t>2024/3/10</a:t>
             </a:fld>
@@ -2386,7 +2386,7 @@
           <p:cNvPr id="6" name="页脚占位符 5">
             <a:extLst>
               <a:ext uri="{FF2B5EF4-FFF2-40B4-BE49-F238E27FC236}">
-                <a16:creationId xmlns:a16="http://schemas.microsoft.com/office/drawing/2014/main" id="{00510DDF-220C-8C6A-9F35-7DB1EB74E97A}"/>
+                <a16:creationId xmlns:a16="http://schemas.microsoft.com/office/drawing/2014/main" id="{DFF22A39-ECD1-62E8-BA34-FF436D391EEB}"/>
               </a:ext>
             </a:extLst>
           </p:cNvPr>
@@ -2411,7 +2411,7 @@
           <p:cNvPr id="7" name="灯片编号占位符 6">
             <a:extLst>
               <a:ext uri="{FF2B5EF4-FFF2-40B4-BE49-F238E27FC236}">
-                <a16:creationId xmlns:a16="http://schemas.microsoft.com/office/drawing/2014/main" id="{6693C079-7635-1C7D-CBF6-B3F14FD46E03}"/>
+                <a16:creationId xmlns:a16="http://schemas.microsoft.com/office/drawing/2014/main" id="{FC22576D-8AC4-5FA8-9F74-AC7D6ABA7B6A}"/>
               </a:ext>
             </a:extLst>
           </p:cNvPr>
@@ -2427,7 +2427,7 @@
           <a:bodyPr/>
           <a:lstStyle/>
           <a:p>
-            <a:fld id="{E96547D6-0B60-46E0-A28F-14DA77A99B24}" type="slidenum">
+            <a:fld id="{6BF1787D-5CD1-4CAE-961F-BE111F708C85}" type="slidenum">
               <a:rPr lang="zh-CN" altLang="en-US" smtClean="0"/>
               <a:t>‹#›</a:t>
             </a:fld>
@@ -2438,7 +2438,7 @@
     </p:spTree>
     <p:extLst>
       <p:ext uri="{BB962C8B-B14F-4D97-AF65-F5344CB8AC3E}">
-        <p14:creationId xmlns:p14="http://schemas.microsoft.com/office/powerpoint/2010/main" val="3479293175"/>
+        <p14:creationId xmlns:p14="http://schemas.microsoft.com/office/powerpoint/2010/main" val="836937914"/>
       </p:ext>
     </p:extLst>
   </p:cSld>
@@ -2470,7 +2470,7 @@
           <p:cNvPr id="2" name="标题 1">
             <a:extLst>
               <a:ext uri="{FF2B5EF4-FFF2-40B4-BE49-F238E27FC236}">
-                <a16:creationId xmlns:a16="http://schemas.microsoft.com/office/drawing/2014/main" id="{D296D390-3858-A110-7FC5-F43C357A1BCE}"/>
+                <a16:creationId xmlns:a16="http://schemas.microsoft.com/office/drawing/2014/main" id="{9247B53E-463A-50C2-92E3-F0A071BB377D}"/>
               </a:ext>
             </a:extLst>
           </p:cNvPr>
@@ -2507,7 +2507,7 @@
           <p:cNvPr id="3" name="图片占位符 2">
             <a:extLst>
               <a:ext uri="{FF2B5EF4-FFF2-40B4-BE49-F238E27FC236}">
-                <a16:creationId xmlns:a16="http://schemas.microsoft.com/office/drawing/2014/main" id="{6C3A1F30-0748-3D78-6A80-FECCC04F45B2}"/>
+                <a16:creationId xmlns:a16="http://schemas.microsoft.com/office/drawing/2014/main" id="{1A705916-0FB1-7314-5676-0B0227FCBF5C}"/>
               </a:ext>
             </a:extLst>
           </p:cNvPr>
@@ -2574,7 +2574,7 @@
           <p:cNvPr id="4" name="文本占位符 3">
             <a:extLst>
               <a:ext uri="{FF2B5EF4-FFF2-40B4-BE49-F238E27FC236}">
-                <a16:creationId xmlns:a16="http://schemas.microsoft.com/office/drawing/2014/main" id="{845EBE8F-E15B-4745-FBA6-77E60211851B}"/>
+                <a16:creationId xmlns:a16="http://schemas.microsoft.com/office/drawing/2014/main" id="{B9558B2D-284C-A620-FE30-5BDBB5D4957A}"/>
               </a:ext>
             </a:extLst>
           </p:cNvPr>
@@ -2645,7 +2645,7 @@
           <p:cNvPr id="5" name="日期占位符 4">
             <a:extLst>
               <a:ext uri="{FF2B5EF4-FFF2-40B4-BE49-F238E27FC236}">
-                <a16:creationId xmlns:a16="http://schemas.microsoft.com/office/drawing/2014/main" id="{FDCDE08C-1F82-C042-A4DC-45EDD3E00BB0}"/>
+                <a16:creationId xmlns:a16="http://schemas.microsoft.com/office/drawing/2014/main" id="{6E4F46EE-342E-8650-848F-C58EB47DECFB}"/>
               </a:ext>
             </a:extLst>
           </p:cNvPr>
@@ -2661,7 +2661,7 @@
           <a:bodyPr/>
           <a:lstStyle/>
           <a:p>
-            <a:fld id="{4EAB3ECC-5606-4C24-9F5B-D234D4D208D2}" type="datetimeFigureOut">
+            <a:fld id="{DAB6D17F-446D-45B1-BF30-60BDA0E814AB}" type="datetimeFigureOut">
               <a:rPr lang="zh-CN" altLang="en-US" smtClean="0"/>
               <a:t>2024/3/10</a:t>
             </a:fld>
@@ -2674,7 +2674,7 @@
           <p:cNvPr id="6" name="页脚占位符 5">
             <a:extLst>
               <a:ext uri="{FF2B5EF4-FFF2-40B4-BE49-F238E27FC236}">
-                <a16:creationId xmlns:a16="http://schemas.microsoft.com/office/drawing/2014/main" id="{2E060514-6770-428D-B599-91F3ED449859}"/>
+                <a16:creationId xmlns:a16="http://schemas.microsoft.com/office/drawing/2014/main" id="{315DCBE3-3F4E-C02C-F4F0-DCD1172FA549}"/>
               </a:ext>
             </a:extLst>
           </p:cNvPr>
@@ -2699,7 +2699,7 @@
           <p:cNvPr id="7" name="灯片编号占位符 6">
             <a:extLst>
               <a:ext uri="{FF2B5EF4-FFF2-40B4-BE49-F238E27FC236}">
-                <a16:creationId xmlns:a16="http://schemas.microsoft.com/office/drawing/2014/main" id="{5D65AB21-82C5-4884-799B-B22467CE790F}"/>
+                <a16:creationId xmlns:a16="http://schemas.microsoft.com/office/drawing/2014/main" id="{3CC47177-ABA5-F80F-38D1-B41735B9FF2B}"/>
               </a:ext>
             </a:extLst>
           </p:cNvPr>
@@ -2715,7 +2715,7 @@
           <a:bodyPr/>
           <a:lstStyle/>
           <a:p>
-            <a:fld id="{E96547D6-0B60-46E0-A28F-14DA77A99B24}" type="slidenum">
+            <a:fld id="{6BF1787D-5CD1-4CAE-961F-BE111F708C85}" type="slidenum">
               <a:rPr lang="zh-CN" altLang="en-US" smtClean="0"/>
               <a:t>‹#›</a:t>
             </a:fld>
@@ -2726,7 +2726,7 @@
     </p:spTree>
     <p:extLst>
       <p:ext uri="{BB962C8B-B14F-4D97-AF65-F5344CB8AC3E}">
-        <p14:creationId xmlns:p14="http://schemas.microsoft.com/office/powerpoint/2010/main" val="3922871968"/>
+        <p14:creationId xmlns:p14="http://schemas.microsoft.com/office/powerpoint/2010/main" val="3744635339"/>
       </p:ext>
     </p:extLst>
   </p:cSld>
@@ -2763,7 +2763,7 @@
           <p:cNvPr id="2" name="标题占位符 1">
             <a:extLst>
               <a:ext uri="{FF2B5EF4-FFF2-40B4-BE49-F238E27FC236}">
-                <a16:creationId xmlns:a16="http://schemas.microsoft.com/office/drawing/2014/main" id="{9DBE35C7-6922-BB25-F5E8-C7D686254271}"/>
+                <a16:creationId xmlns:a16="http://schemas.microsoft.com/office/drawing/2014/main" id="{39254CC8-6F20-808F-5954-6CA82E84A759}"/>
               </a:ext>
             </a:extLst>
           </p:cNvPr>
@@ -2801,7 +2801,7 @@
           <p:cNvPr id="3" name="文本占位符 2">
             <a:extLst>
               <a:ext uri="{FF2B5EF4-FFF2-40B4-BE49-F238E27FC236}">
-                <a16:creationId xmlns:a16="http://schemas.microsoft.com/office/drawing/2014/main" id="{9617F787-7371-61D1-AAA9-B9DE3DF323A8}"/>
+                <a16:creationId xmlns:a16="http://schemas.microsoft.com/office/drawing/2014/main" id="{D5E02F1D-4C04-5831-C556-97BC17A9A5E0}"/>
               </a:ext>
             </a:extLst>
           </p:cNvPr>
@@ -2868,7 +2868,7 @@
           <p:cNvPr id="4" name="日期占位符 3">
             <a:extLst>
               <a:ext uri="{FF2B5EF4-FFF2-40B4-BE49-F238E27FC236}">
-                <a16:creationId xmlns:a16="http://schemas.microsoft.com/office/drawing/2014/main" id="{7EAEB4D9-42FD-9E5B-F5FA-370D38066BCB}"/>
+                <a16:creationId xmlns:a16="http://schemas.microsoft.com/office/drawing/2014/main" id="{AA4CFB8E-42FD-EFB2-8E22-65C90EFA6EA4}"/>
               </a:ext>
             </a:extLst>
           </p:cNvPr>
@@ -2902,7 +2902,7 @@
             </a:lvl1pPr>
           </a:lstStyle>
           <a:p>
-            <a:fld id="{4EAB3ECC-5606-4C24-9F5B-D234D4D208D2}" type="datetimeFigureOut">
+            <a:fld id="{DAB6D17F-446D-45B1-BF30-60BDA0E814AB}" type="datetimeFigureOut">
               <a:rPr lang="zh-CN" altLang="en-US" smtClean="0"/>
               <a:t>2024/3/10</a:t>
             </a:fld>
@@ -2915,7 +2915,7 @@
           <p:cNvPr id="5" name="页脚占位符 4">
             <a:extLst>
               <a:ext uri="{FF2B5EF4-FFF2-40B4-BE49-F238E27FC236}">
-                <a16:creationId xmlns:a16="http://schemas.microsoft.com/office/drawing/2014/main" id="{19629232-6BA4-F9F2-EC7A-F9D4D8C96C29}"/>
+                <a16:creationId xmlns:a16="http://schemas.microsoft.com/office/drawing/2014/main" id="{4D1435A0-1B6C-1146-A8B9-86F22145D298}"/>
               </a:ext>
             </a:extLst>
           </p:cNvPr>
@@ -2958,7 +2958,7 @@
           <p:cNvPr id="6" name="灯片编号占位符 5">
             <a:extLst>
               <a:ext uri="{FF2B5EF4-FFF2-40B4-BE49-F238E27FC236}">
-                <a16:creationId xmlns:a16="http://schemas.microsoft.com/office/drawing/2014/main" id="{69A7E066-38FE-10CF-7250-78C13AEE84D0}"/>
+                <a16:creationId xmlns:a16="http://schemas.microsoft.com/office/drawing/2014/main" id="{521BCCA6-8699-AC59-82DD-B4201610AE62}"/>
               </a:ext>
             </a:extLst>
           </p:cNvPr>
@@ -2992,7 +2992,7 @@
             </a:lvl1pPr>
           </a:lstStyle>
           <a:p>
-            <a:fld id="{E96547D6-0B60-46E0-A28F-14DA77A99B24}" type="slidenum">
+            <a:fld id="{6BF1787D-5CD1-4CAE-961F-BE111F708C85}" type="slidenum">
               <a:rPr lang="zh-CN" altLang="en-US" smtClean="0"/>
               <a:t>‹#›</a:t>
             </a:fld>
@@ -3003,7 +3003,7 @@
     </p:spTree>
     <p:extLst>
       <p:ext uri="{BB962C8B-B14F-4D97-AF65-F5344CB8AC3E}">
-        <p14:creationId xmlns:p14="http://schemas.microsoft.com/office/powerpoint/2010/main" val="276401194"/>
+        <p14:creationId xmlns:p14="http://schemas.microsoft.com/office/powerpoint/2010/main" val="951927152"/>
       </p:ext>
     </p:extLst>
   </p:cSld>
